--- a/CQRS_ES_Sample/JaxSig_Evolving_to_CQRS_And_ES.pptx
+++ b/CQRS_ES_Sample/JaxSig_Evolving_to_CQRS_And_ES.pptx
@@ -115,7 +115,18 @@
   </p:defaultTextStyle>
   <p:extLst>
     <p:ext uri="{EFAFB233-063F-42B5-8137-9DF3F51BA10A}">
-      <p15:sldGuideLst xmlns:p15="http://schemas.microsoft.com/office/powerpoint/2012/main" xmlns=""/>
+      <p15:sldGuideLst xmlns:p15="http://schemas.microsoft.com/office/powerpoint/2012/main">
+        <p15:guide id="1" orient="horz" pos="2160">
+          <p15:clr>
+            <a:srgbClr val="A4A3A4"/>
+          </p15:clr>
+        </p15:guide>
+        <p15:guide id="2" pos="3840">
+          <p15:clr>
+            <a:srgbClr val="A4A3A4"/>
+          </p15:clr>
+        </p15:guide>
+      </p15:sldGuideLst>
     </p:ext>
   </p:extLst>
 </p:presentation>
@@ -273,7 +284,7 @@
           <a:p>
             <a:fld id="{FE8BC13A-84C2-4F23-B046-9F1FD285F1D3}" type="datetimeFigureOut">
               <a:rPr lang="en-US" smtClean="0"/>
-              <a:t>6/19/2017</a:t>
+              <a:t>6/22/2017</a:t>
             </a:fld>
             <a:endParaRPr lang="en-US"/>
           </a:p>
@@ -557,7 +568,7 @@
           <a:p>
             <a:fld id="{FE8BC13A-84C2-4F23-B046-9F1FD285F1D3}" type="datetimeFigureOut">
               <a:rPr lang="en-US" smtClean="0"/>
-              <a:t>6/19/2017</a:t>
+              <a:t>6/22/2017</a:t>
             </a:fld>
             <a:endParaRPr lang="en-US"/>
           </a:p>
@@ -814,7 +825,7 @@
           <a:p>
             <a:fld id="{FE8BC13A-84C2-4F23-B046-9F1FD285F1D3}" type="datetimeFigureOut">
               <a:rPr lang="en-US" smtClean="0"/>
-              <a:t>6/19/2017</a:t>
+              <a:t>6/22/2017</a:t>
             </a:fld>
             <a:endParaRPr lang="en-US"/>
           </a:p>
@@ -1161,7 +1172,7 @@
           <a:p>
             <a:fld id="{FE8BC13A-84C2-4F23-B046-9F1FD285F1D3}" type="datetimeFigureOut">
               <a:rPr lang="en-US" smtClean="0"/>
-              <a:t>6/19/2017</a:t>
+              <a:t>6/22/2017</a:t>
             </a:fld>
             <a:endParaRPr lang="en-US"/>
           </a:p>
@@ -1563,7 +1574,7 @@
           <a:p>
             <a:fld id="{FE8BC13A-84C2-4F23-B046-9F1FD285F1D3}" type="datetimeFigureOut">
               <a:rPr lang="en-US" smtClean="0"/>
-              <a:t>6/19/2017</a:t>
+              <a:t>6/22/2017</a:t>
             </a:fld>
             <a:endParaRPr lang="en-US"/>
           </a:p>
@@ -1681,7 +1692,7 @@
           <a:p>
             <a:fld id="{FE8BC13A-84C2-4F23-B046-9F1FD285F1D3}" type="datetimeFigureOut">
               <a:rPr lang="en-US" smtClean="0"/>
-              <a:t>6/19/2017</a:t>
+              <a:t>6/22/2017</a:t>
             </a:fld>
             <a:endParaRPr lang="en-US"/>
           </a:p>
@@ -1776,7 +1787,7 @@
           <a:p>
             <a:fld id="{FE8BC13A-84C2-4F23-B046-9F1FD285F1D3}" type="datetimeFigureOut">
               <a:rPr lang="en-US" smtClean="0"/>
-              <a:t>6/19/2017</a:t>
+              <a:t>6/22/2017</a:t>
             </a:fld>
             <a:endParaRPr lang="en-US"/>
           </a:p>
@@ -2066,7 +2077,7 @@
           <a:p>
             <a:fld id="{FE8BC13A-84C2-4F23-B046-9F1FD285F1D3}" type="datetimeFigureOut">
               <a:rPr lang="en-US" smtClean="0"/>
-              <a:t>6/19/2017</a:t>
+              <a:t>6/22/2017</a:t>
             </a:fld>
             <a:endParaRPr lang="en-US"/>
           </a:p>
@@ -2343,7 +2354,7 @@
           <a:p>
             <a:fld id="{FE8BC13A-84C2-4F23-B046-9F1FD285F1D3}" type="datetimeFigureOut">
               <a:rPr lang="en-US" smtClean="0"/>
-              <a:t>6/19/2017</a:t>
+              <a:t>6/22/2017</a:t>
             </a:fld>
             <a:endParaRPr lang="en-US"/>
           </a:p>
@@ -2596,7 +2607,7 @@
           <a:p>
             <a:fld id="{FE8BC13A-84C2-4F23-B046-9F1FD285F1D3}" type="datetimeFigureOut">
               <a:rPr lang="en-US" smtClean="0"/>
-              <a:t>6/19/2017</a:t>
+              <a:t>6/22/2017</a:t>
             </a:fld>
             <a:endParaRPr lang="en-US"/>
           </a:p>
@@ -3283,11 +3294,11 @@
             </a:r>
             <a:r>
               <a:rPr lang="en-US" dirty="0" err="1" smtClean="0"/>
-              <a:t>jaxdug</a:t>
+              <a:t>Jax</a:t>
             </a:r>
             <a:r>
               <a:rPr lang="en-US" dirty="0" smtClean="0"/>
-              <a:t> members!</a:t>
+              <a:t> Architects!</a:t>
             </a:r>
             <a:endParaRPr lang="en-US" dirty="0"/>
           </a:p>
@@ -3443,6 +3454,13 @@
   <p:clrMapOvr>
     <a:masterClrMapping/>
   </p:clrMapOvr>
+  <p:timing>
+    <p:tnLst>
+      <p:par>
+        <p:cTn id="1" dur="indefinite" restart="never" nodeType="tmRoot"/>
+      </p:par>
+    </p:tnLst>
+  </p:timing>
 </p:sld>
 </file>
 
@@ -3505,13 +3523,8 @@
           <a:p>
             <a:r>
               <a:rPr lang="en-US" dirty="0" smtClean="0"/>
-              <a:t>What is an </a:t>
-            </a:r>
-            <a:r>
-              <a:rPr lang="en-US" dirty="0" smtClean="0"/>
-              <a:t>CQRS+ES?</a:t>
-            </a:r>
-            <a:endParaRPr lang="en-US" dirty="0" smtClean="0"/>
+              <a:t>What is an CQRS+ES?</a:t>
+            </a:r>
           </a:p>
           <a:p>
             <a:pPr lvl="1"/>
@@ -3553,7 +3566,6 @@
               <a:rPr lang="en-US" dirty="0" smtClean="0"/>
               <a:t>Code Demo</a:t>
             </a:r>
-            <a:endParaRPr lang="en-US" dirty="0" smtClean="0"/>
           </a:p>
         </p:txBody>
       </p:sp>
@@ -3744,7 +3756,7 @@
         <p:spPr/>
         <p:txBody>
           <a:bodyPr>
-            <a:normAutofit lnSpcReduction="10000"/>
+            <a:normAutofit/>
           </a:bodyPr>
           <a:lstStyle/>
           <a:p>
@@ -3824,7 +3836,6 @@
               <a:rPr lang="en-US" dirty="0" smtClean="0"/>
               <a:t>CQRS and ES are best buddies!</a:t>
             </a:r>
-            <a:endParaRPr lang="en-US" dirty="0" smtClean="0"/>
           </a:p>
         </p:txBody>
       </p:sp>
@@ -6172,8 +6183,15 @@
           <a:p>
             <a:pPr algn="ctr"/>
             <a:r>
-              <a:rPr lang="en-US" dirty="0" err="1" smtClean="0"/>
-              <a:t>ViewModel</a:t>
+              <a:rPr lang="en-US" dirty="0" smtClean="0"/>
+              <a:t>View</a:t>
+            </a:r>
+          </a:p>
+          <a:p>
+            <a:pPr algn="ctr"/>
+            <a:r>
+              <a:rPr lang="en-US" dirty="0" smtClean="0"/>
+              <a:t>Model</a:t>
             </a:r>
             <a:endParaRPr lang="en-US" dirty="0"/>
           </a:p>
@@ -6360,7 +6378,7 @@
         </p:nvSpPr>
         <p:spPr>
           <a:xfrm>
-            <a:off x="1768450" y="2430560"/>
+            <a:off x="1768450" y="2669459"/>
             <a:ext cx="832919" cy="4050932"/>
           </a:xfrm>
           <a:prstGeom prst="roundRect">
@@ -6404,7 +6422,7 @@
         </p:nvSpPr>
         <p:spPr>
           <a:xfrm>
-            <a:off x="5404920" y="2430560"/>
+            <a:off x="5404920" y="2669459"/>
             <a:ext cx="832919" cy="4050932"/>
           </a:xfrm>
           <a:prstGeom prst="roundRect">
@@ -6448,7 +6466,7 @@
         </p:nvSpPr>
         <p:spPr>
           <a:xfrm>
-            <a:off x="3886966" y="2430560"/>
+            <a:off x="3886966" y="2669459"/>
             <a:ext cx="832919" cy="4050934"/>
           </a:xfrm>
           <a:prstGeom prst="roundRect">
@@ -6500,7 +6518,7 @@
         </p:nvSpPr>
         <p:spPr>
           <a:xfrm>
-            <a:off x="7002112" y="3964628"/>
+            <a:off x="7002112" y="4203527"/>
             <a:ext cx="832919" cy="863096"/>
           </a:xfrm>
           <a:prstGeom prst="roundRect">
@@ -6544,7 +6562,7 @@
         </p:nvSpPr>
         <p:spPr>
           <a:xfrm>
-            <a:off x="6862512" y="4918257"/>
+            <a:off x="6862512" y="5157156"/>
             <a:ext cx="832919" cy="1563233"/>
           </a:xfrm>
           <a:prstGeom prst="roundRect">
@@ -6588,7 +6606,7 @@
         </p:nvSpPr>
         <p:spPr>
           <a:xfrm>
-            <a:off x="8962883" y="4918257"/>
+            <a:off x="8962883" y="5157156"/>
             <a:ext cx="1204111" cy="1563234"/>
           </a:xfrm>
           <a:prstGeom prst="flowChartMagneticDisk">
@@ -6632,7 +6650,7 @@
         </p:nvSpPr>
         <p:spPr>
           <a:xfrm>
-            <a:off x="4888893" y="5223062"/>
+            <a:off x="4888893" y="5461961"/>
             <a:ext cx="371192" cy="235390"/>
           </a:xfrm>
           <a:prstGeom prst="rightArrow">
@@ -6672,7 +6690,7 @@
         </p:nvSpPr>
         <p:spPr>
           <a:xfrm rot="10800000">
-            <a:off x="4854177" y="5582179"/>
+            <a:off x="4854177" y="5821078"/>
             <a:ext cx="371192" cy="235390"/>
           </a:xfrm>
           <a:prstGeom prst="rightArrow">
@@ -6712,7 +6730,7 @@
         </p:nvSpPr>
         <p:spPr>
           <a:xfrm>
-            <a:off x="6354046" y="5425203"/>
+            <a:off x="6354046" y="5664102"/>
             <a:ext cx="371192" cy="235390"/>
           </a:xfrm>
           <a:prstGeom prst="rightArrow">
@@ -6752,7 +6770,7 @@
         </p:nvSpPr>
         <p:spPr>
           <a:xfrm rot="10800000">
-            <a:off x="6319330" y="5784320"/>
+            <a:off x="6319330" y="6023219"/>
             <a:ext cx="371192" cy="235390"/>
           </a:xfrm>
           <a:prstGeom prst="rightArrow">
@@ -6795,7 +6813,7 @@
         </p:nvCxnSpPr>
         <p:spPr>
           <a:xfrm flipH="1">
-            <a:off x="7278972" y="4827724"/>
+            <a:off x="7278972" y="5066623"/>
             <a:ext cx="139600" cy="90533"/>
           </a:xfrm>
           <a:prstGeom prst="line">
@@ -6825,7 +6843,7 @@
         </p:nvSpPr>
         <p:spPr>
           <a:xfrm>
-            <a:off x="7810139" y="5590181"/>
+            <a:off x="7810139" y="5829080"/>
             <a:ext cx="1007930" cy="235390"/>
           </a:xfrm>
           <a:prstGeom prst="rightArrow">
@@ -6865,7 +6883,7 @@
         </p:nvSpPr>
         <p:spPr>
           <a:xfrm rot="10800000">
-            <a:off x="7775423" y="5949298"/>
+            <a:off x="7775423" y="6188197"/>
             <a:ext cx="1007930" cy="235390"/>
           </a:xfrm>
           <a:prstGeom prst="rightArrow">
@@ -6905,7 +6923,7 @@
         </p:nvSpPr>
         <p:spPr>
           <a:xfrm>
-            <a:off x="2762827" y="4957338"/>
+            <a:off x="2762827" y="5196237"/>
             <a:ext cx="1007930" cy="235390"/>
           </a:xfrm>
           <a:prstGeom prst="rightArrow">
@@ -6945,7 +6963,7 @@
         </p:nvSpPr>
         <p:spPr>
           <a:xfrm rot="10800000">
-            <a:off x="2728111" y="5316455"/>
+            <a:off x="2728111" y="5555354"/>
             <a:ext cx="1007930" cy="235390"/>
           </a:xfrm>
           <a:prstGeom prst="rightArrow">
@@ -6985,7 +7003,7 @@
         </p:nvSpPr>
         <p:spPr>
           <a:xfrm>
-            <a:off x="6862511" y="2430560"/>
+            <a:off x="6862511" y="2669459"/>
             <a:ext cx="832919" cy="1451014"/>
           </a:xfrm>
           <a:prstGeom prst="roundRect">
@@ -7033,7 +7051,7 @@
         </p:nvSpPr>
         <p:spPr>
           <a:xfrm>
-            <a:off x="7810139" y="2592663"/>
+            <a:off x="7810139" y="2831562"/>
             <a:ext cx="1007930" cy="235390"/>
           </a:xfrm>
           <a:prstGeom prst="rightArrow">
@@ -7073,7 +7091,7 @@
         </p:nvSpPr>
         <p:spPr>
           <a:xfrm rot="10800000">
-            <a:off x="7775423" y="2951780"/>
+            <a:off x="7775423" y="3190679"/>
             <a:ext cx="1007930" cy="235390"/>
           </a:xfrm>
           <a:prstGeom prst="rightArrow">
@@ -7113,7 +7131,7 @@
         </p:nvSpPr>
         <p:spPr>
           <a:xfrm rot="5400000" flipH="1">
-            <a:off x="7156033" y="4198689"/>
+            <a:off x="7156033" y="4437588"/>
             <a:ext cx="1714185" cy="405975"/>
           </a:xfrm>
           <a:prstGeom prst="uturnArrow">
@@ -7163,7 +7181,7 @@
         </p:nvSpPr>
         <p:spPr>
           <a:xfrm>
-            <a:off x="6388080" y="2950078"/>
+            <a:off x="6388080" y="3188977"/>
             <a:ext cx="371192" cy="235390"/>
           </a:xfrm>
           <a:prstGeom prst="rightArrow">
@@ -7203,7 +7221,7 @@
         </p:nvSpPr>
         <p:spPr>
           <a:xfrm rot="10800000">
-            <a:off x="6353364" y="3309195"/>
+            <a:off x="6353364" y="3548094"/>
             <a:ext cx="371192" cy="235390"/>
           </a:xfrm>
           <a:prstGeom prst="rightArrow">
@@ -7243,7 +7261,7 @@
         </p:nvSpPr>
         <p:spPr>
           <a:xfrm rot="5400000">
-            <a:off x="7129179" y="4036079"/>
+            <a:off x="7129179" y="4274978"/>
             <a:ext cx="2187779" cy="825861"/>
           </a:xfrm>
           <a:prstGeom prst="uturnArrow">
@@ -7293,7 +7311,7 @@
         </p:nvGrpSpPr>
         <p:grpSpPr>
           <a:xfrm>
-            <a:off x="8842156" y="2280065"/>
+            <a:off x="8842156" y="2518964"/>
             <a:ext cx="1494597" cy="1396925"/>
             <a:chOff x="8842156" y="1972945"/>
             <a:chExt cx="1494597" cy="1396925"/>
@@ -7395,7 +7413,7 @@
         </p:nvSpPr>
         <p:spPr>
           <a:xfrm>
-            <a:off x="6986821" y="1416969"/>
+            <a:off x="6986821" y="1655868"/>
             <a:ext cx="832919" cy="863096"/>
           </a:xfrm>
           <a:prstGeom prst="roundRect">
@@ -7424,8 +7442,15 @@
           <a:p>
             <a:pPr algn="ctr"/>
             <a:r>
-              <a:rPr lang="en-US" dirty="0" err="1" smtClean="0"/>
-              <a:t>ViewModel</a:t>
+              <a:rPr lang="en-US" dirty="0" smtClean="0"/>
+              <a:t>View</a:t>
+            </a:r>
+          </a:p>
+          <a:p>
+            <a:pPr algn="ctr"/>
+            <a:r>
+              <a:rPr lang="en-US" dirty="0" smtClean="0"/>
+              <a:t>Model</a:t>
             </a:r>
             <a:endParaRPr lang="en-US" dirty="0"/>
           </a:p>
@@ -7442,7 +7467,7 @@
         </p:nvCxnSpPr>
         <p:spPr>
           <a:xfrm flipH="1">
-            <a:off x="7278971" y="2280065"/>
+            <a:off x="7278971" y="2518964"/>
             <a:ext cx="124310" cy="150495"/>
           </a:xfrm>
           <a:prstGeom prst="line">
@@ -8879,8 +8904,15 @@
           <a:p>
             <a:pPr algn="ctr"/>
             <a:r>
-              <a:rPr lang="en-US" dirty="0" err="1" smtClean="0"/>
-              <a:t>ViewModel</a:t>
+              <a:rPr lang="en-US" dirty="0" smtClean="0"/>
+              <a:t>View</a:t>
+            </a:r>
+          </a:p>
+          <a:p>
+            <a:pPr algn="ctr"/>
+            <a:r>
+              <a:rPr lang="en-US" dirty="0" smtClean="0"/>
+              <a:t>Model</a:t>
             </a:r>
             <a:endParaRPr lang="en-US" dirty="0"/>
           </a:p>
@@ -10354,25 +10386,32 @@
           </a:p>
         </p:txBody>
       </p:sp>
-      <p:sp>
-        <p:nvSpPr>
-          <p:cNvPr id="3" name="Content Placeholder 2"/>
-          <p:cNvSpPr>
-            <a:spLocks noGrp="1"/>
-          </p:cNvSpPr>
+      <p:pic>
+        <p:nvPicPr>
+          <p:cNvPr id="4" name="Content Placeholder 3"/>
+          <p:cNvPicPr>
+            <a:picLocks noGrp="1" noChangeAspect="1"/>
+          </p:cNvPicPr>
           <p:nvPr>
             <p:ph idx="1"/>
           </p:nvPr>
-        </p:nvSpPr>
-        <p:spPr/>
-        <p:txBody>
-          <a:bodyPr/>
-          <a:lstStyle/>
-          <a:p>
-            <a:endParaRPr lang="en-US"/>
-          </a:p>
-        </p:txBody>
-      </p:sp>
+        </p:nvPicPr>
+        <p:blipFill>
+          <a:blip r:embed="rId2"/>
+          <a:stretch>
+            <a:fillRect/>
+          </a:stretch>
+        </p:blipFill>
+        <p:spPr>
+          <a:xfrm>
+            <a:off x="1023938" y="2493755"/>
+            <a:ext cx="9720262" cy="3607215"/>
+          </a:xfrm>
+          <a:prstGeom prst="rect">
+            <a:avLst/>
+          </a:prstGeom>
+        </p:spPr>
+      </p:pic>
     </p:spTree>
     <p:extLst>
       <p:ext uri="{BB962C8B-B14F-4D97-AF65-F5344CB8AC3E}">
@@ -10655,7 +10694,7 @@
   <a:extraClrSchemeLst/>
   <a:extLst>
     <a:ext uri="{05A4C25C-085E-4340-85A3-A5531E510DB2}">
-      <thm15:themeFamily xmlns:thm15="http://schemas.microsoft.com/office/thememl/2012/main" xmlns="" name="Integral" id="{3577F8C9-A904-41D8-97D2-FD898F53F20E}" vid="{4825F1AF-8DBC-4E3D-9F3D-688338DA83FC}"/>
+      <thm15:themeFamily xmlns:thm15="http://schemas.microsoft.com/office/thememl/2012/main" name="Integral" id="{3577F8C9-A904-41D8-97D2-FD898F53F20E}" vid="{4825F1AF-8DBC-4E3D-9F3D-688338DA83FC}"/>
     </a:ext>
   </a:extLst>
 </a:theme>

--- a/CQRS_ES_Sample/JaxSig_Evolving_to_CQRS_And_ES.pptx
+++ b/CQRS_ES_Sample/JaxSig_Evolving_to_CQRS_And_ES.pptx
@@ -176,7 +176,7 @@
           </a:lstStyle>
           <a:p>
             <a:r>
-              <a:rPr lang="en-US" smtClean="0"/>
+              <a:rPr lang="en-US"/>
               <a:t>Click to edit Master title style</a:t>
             </a:r>
             <a:endParaRPr lang="en-US" dirty="0"/>
@@ -256,7 +256,7 @@
           </a:lstStyle>
           <a:p>
             <a:r>
-              <a:rPr lang="en-US" smtClean="0"/>
+              <a:rPr lang="en-US"/>
               <a:t>Click to edit Master subtitle style</a:t>
             </a:r>
             <a:endParaRPr lang="en-US" dirty="0"/>
@@ -284,7 +284,7 @@
           <a:p>
             <a:fld id="{FE8BC13A-84C2-4F23-B046-9F1FD285F1D3}" type="datetimeFigureOut">
               <a:rPr lang="en-US" smtClean="0"/>
-              <a:t>6/22/2017</a:t>
+              <a:t>5/10/2023</a:t>
             </a:fld>
             <a:endParaRPr lang="en-US"/>
           </a:p>
@@ -492,7 +492,7 @@
           <a:lstStyle/>
           <a:p>
             <a:r>
-              <a:rPr lang="en-US" smtClean="0"/>
+              <a:rPr lang="en-US"/>
               <a:t>Click to edit Master title style</a:t>
             </a:r>
             <a:endParaRPr lang="en-US" dirty="0"/>
@@ -516,35 +516,35 @@
           <a:p>
             <a:pPr lvl="0"/>
             <a:r>
-              <a:rPr lang="en-US" smtClean="0"/>
+              <a:rPr lang="en-US"/>
               <a:t>Edit Master text styles</a:t>
             </a:r>
           </a:p>
           <a:p>
             <a:pPr lvl="1"/>
             <a:r>
-              <a:rPr lang="en-US" smtClean="0"/>
+              <a:rPr lang="en-US"/>
               <a:t>Second level</a:t>
             </a:r>
           </a:p>
           <a:p>
             <a:pPr lvl="2"/>
             <a:r>
-              <a:rPr lang="en-US" smtClean="0"/>
+              <a:rPr lang="en-US"/>
               <a:t>Third level</a:t>
             </a:r>
           </a:p>
           <a:p>
             <a:pPr lvl="3"/>
             <a:r>
-              <a:rPr lang="en-US" smtClean="0"/>
+              <a:rPr lang="en-US"/>
               <a:t>Fourth level</a:t>
             </a:r>
           </a:p>
           <a:p>
             <a:pPr lvl="4"/>
             <a:r>
-              <a:rPr lang="en-US" smtClean="0"/>
+              <a:rPr lang="en-US"/>
               <a:t>Fifth level</a:t>
             </a:r>
             <a:endParaRPr lang="en-US" dirty="0"/>
@@ -568,7 +568,7 @@
           <a:p>
             <a:fld id="{FE8BC13A-84C2-4F23-B046-9F1FD285F1D3}" type="datetimeFigureOut">
               <a:rPr lang="en-US" smtClean="0"/>
-              <a:t>6/22/2017</a:t>
+              <a:t>5/10/2023</a:t>
             </a:fld>
             <a:endParaRPr lang="en-US"/>
           </a:p>
@@ -673,7 +673,7 @@
           </a:lstStyle>
           <a:p>
             <a:r>
-              <a:rPr lang="en-US" smtClean="0"/>
+              <a:rPr lang="en-US"/>
               <a:t>Click to edit Master title style</a:t>
             </a:r>
             <a:endParaRPr lang="en-US" dirty="0"/>
@@ -802,7 +802,7 @@
           <a:p>
             <a:pPr lvl="0"/>
             <a:r>
-              <a:rPr lang="en-US" smtClean="0"/>
+              <a:rPr lang="en-US"/>
               <a:t>Edit Master text styles</a:t>
             </a:r>
           </a:p>
@@ -825,7 +825,7 @@
           <a:p>
             <a:fld id="{FE8BC13A-84C2-4F23-B046-9F1FD285F1D3}" type="datetimeFigureOut">
               <a:rPr lang="en-US" smtClean="0"/>
-              <a:t>6/22/2017</a:t>
+              <a:t>5/10/2023</a:t>
             </a:fld>
             <a:endParaRPr lang="en-US"/>
           </a:p>
@@ -1034,7 +1034,7 @@
           <a:lstStyle/>
           <a:p>
             <a:r>
-              <a:rPr lang="en-US" smtClean="0"/>
+              <a:rPr lang="en-US"/>
               <a:t>Click to edit Master title style</a:t>
             </a:r>
             <a:endParaRPr lang="en-US" dirty="0"/>
@@ -1063,35 +1063,35 @@
           <a:p>
             <a:pPr lvl="0"/>
             <a:r>
-              <a:rPr lang="en-US" smtClean="0"/>
+              <a:rPr lang="en-US"/>
               <a:t>Edit Master text styles</a:t>
             </a:r>
           </a:p>
           <a:p>
             <a:pPr lvl="1"/>
             <a:r>
-              <a:rPr lang="en-US" smtClean="0"/>
+              <a:rPr lang="en-US"/>
               <a:t>Second level</a:t>
             </a:r>
           </a:p>
           <a:p>
             <a:pPr lvl="2"/>
             <a:r>
-              <a:rPr lang="en-US" smtClean="0"/>
+              <a:rPr lang="en-US"/>
               <a:t>Third level</a:t>
             </a:r>
           </a:p>
           <a:p>
             <a:pPr lvl="3"/>
             <a:r>
-              <a:rPr lang="en-US" smtClean="0"/>
+              <a:rPr lang="en-US"/>
               <a:t>Fourth level</a:t>
             </a:r>
           </a:p>
           <a:p>
             <a:pPr lvl="4"/>
             <a:r>
-              <a:rPr lang="en-US" smtClean="0"/>
+              <a:rPr lang="en-US"/>
               <a:t>Fifth level</a:t>
             </a:r>
             <a:endParaRPr lang="en-US" dirty="0"/>
@@ -1120,35 +1120,35 @@
           <a:p>
             <a:pPr lvl="0"/>
             <a:r>
-              <a:rPr lang="en-US" smtClean="0"/>
+              <a:rPr lang="en-US"/>
               <a:t>Edit Master text styles</a:t>
             </a:r>
           </a:p>
           <a:p>
             <a:pPr lvl="1"/>
             <a:r>
-              <a:rPr lang="en-US" smtClean="0"/>
+              <a:rPr lang="en-US"/>
               <a:t>Second level</a:t>
             </a:r>
           </a:p>
           <a:p>
             <a:pPr lvl="2"/>
             <a:r>
-              <a:rPr lang="en-US" smtClean="0"/>
+              <a:rPr lang="en-US"/>
               <a:t>Third level</a:t>
             </a:r>
           </a:p>
           <a:p>
             <a:pPr lvl="3"/>
             <a:r>
-              <a:rPr lang="en-US" smtClean="0"/>
+              <a:rPr lang="en-US"/>
               <a:t>Fourth level</a:t>
             </a:r>
           </a:p>
           <a:p>
             <a:pPr lvl="4"/>
             <a:r>
-              <a:rPr lang="en-US" smtClean="0"/>
+              <a:rPr lang="en-US"/>
               <a:t>Fifth level</a:t>
             </a:r>
             <a:endParaRPr lang="en-US" dirty="0"/>
@@ -1172,7 +1172,7 @@
           <a:p>
             <a:fld id="{FE8BC13A-84C2-4F23-B046-9F1FD285F1D3}" type="datetimeFigureOut">
               <a:rPr lang="en-US" smtClean="0"/>
-              <a:t>6/22/2017</a:t>
+              <a:t>5/10/2023</a:t>
             </a:fld>
             <a:endParaRPr lang="en-US"/>
           </a:p>
@@ -1266,7 +1266,7 @@
           <a:lstStyle/>
           <a:p>
             <a:r>
-              <a:rPr lang="en-US" smtClean="0"/>
+              <a:rPr lang="en-US"/>
               <a:t>Click to edit Master title style</a:t>
             </a:r>
             <a:endParaRPr lang="en-US" dirty="0"/>
@@ -1347,7 +1347,7 @@
           <a:p>
             <a:pPr lvl="0"/>
             <a:r>
-              <a:rPr lang="en-US" smtClean="0"/>
+              <a:rPr lang="en-US"/>
               <a:t>Edit Master text styles</a:t>
             </a:r>
           </a:p>
@@ -1375,35 +1375,35 @@
           <a:p>
             <a:pPr lvl="0"/>
             <a:r>
-              <a:rPr lang="en-US" smtClean="0"/>
+              <a:rPr lang="en-US"/>
               <a:t>Edit Master text styles</a:t>
             </a:r>
           </a:p>
           <a:p>
             <a:pPr lvl="1"/>
             <a:r>
-              <a:rPr lang="en-US" smtClean="0"/>
+              <a:rPr lang="en-US"/>
               <a:t>Second level</a:t>
             </a:r>
           </a:p>
           <a:p>
             <a:pPr lvl="2"/>
             <a:r>
-              <a:rPr lang="en-US" smtClean="0"/>
+              <a:rPr lang="en-US"/>
               <a:t>Third level</a:t>
             </a:r>
           </a:p>
           <a:p>
             <a:pPr lvl="3"/>
             <a:r>
-              <a:rPr lang="en-US" smtClean="0"/>
+              <a:rPr lang="en-US"/>
               <a:t>Fourth level</a:t>
             </a:r>
           </a:p>
           <a:p>
             <a:pPr lvl="4"/>
             <a:r>
-              <a:rPr lang="en-US" smtClean="0"/>
+              <a:rPr lang="en-US"/>
               <a:t>Fifth level</a:t>
             </a:r>
             <a:endParaRPr lang="en-US" dirty="0"/>
@@ -1494,7 +1494,7 @@
               <a:buNone/>
             </a:pPr>
             <a:r>
-              <a:rPr lang="en-US" smtClean="0"/>
+              <a:rPr lang="en-US"/>
               <a:t>Edit Master text styles</a:t>
             </a:r>
           </a:p>
@@ -1522,35 +1522,35 @@
           <a:p>
             <a:pPr lvl="0"/>
             <a:r>
-              <a:rPr lang="en-US" smtClean="0"/>
+              <a:rPr lang="en-US"/>
               <a:t>Edit Master text styles</a:t>
             </a:r>
           </a:p>
           <a:p>
             <a:pPr lvl="1"/>
             <a:r>
-              <a:rPr lang="en-US" smtClean="0"/>
+              <a:rPr lang="en-US"/>
               <a:t>Second level</a:t>
             </a:r>
           </a:p>
           <a:p>
             <a:pPr lvl="2"/>
             <a:r>
-              <a:rPr lang="en-US" smtClean="0"/>
+              <a:rPr lang="en-US"/>
               <a:t>Third level</a:t>
             </a:r>
           </a:p>
           <a:p>
             <a:pPr lvl="3"/>
             <a:r>
-              <a:rPr lang="en-US" smtClean="0"/>
+              <a:rPr lang="en-US"/>
               <a:t>Fourth level</a:t>
             </a:r>
           </a:p>
           <a:p>
             <a:pPr lvl="4"/>
             <a:r>
-              <a:rPr lang="en-US" smtClean="0"/>
+              <a:rPr lang="en-US"/>
               <a:t>Fifth level</a:t>
             </a:r>
             <a:endParaRPr lang="en-US" dirty="0"/>
@@ -1574,7 +1574,7 @@
           <a:p>
             <a:fld id="{FE8BC13A-84C2-4F23-B046-9F1FD285F1D3}" type="datetimeFigureOut">
               <a:rPr lang="en-US" smtClean="0"/>
-              <a:t>6/22/2017</a:t>
+              <a:t>5/10/2023</a:t>
             </a:fld>
             <a:endParaRPr lang="en-US"/>
           </a:p>
@@ -1668,7 +1668,7 @@
           <a:lstStyle/>
           <a:p>
             <a:r>
-              <a:rPr lang="en-US" smtClean="0"/>
+              <a:rPr lang="en-US"/>
               <a:t>Click to edit Master title style</a:t>
             </a:r>
             <a:endParaRPr lang="en-US" dirty="0"/>
@@ -1692,7 +1692,7 @@
           <a:p>
             <a:fld id="{FE8BC13A-84C2-4F23-B046-9F1FD285F1D3}" type="datetimeFigureOut">
               <a:rPr lang="en-US" smtClean="0"/>
-              <a:t>6/22/2017</a:t>
+              <a:t>5/10/2023</a:t>
             </a:fld>
             <a:endParaRPr lang="en-US"/>
           </a:p>
@@ -1787,7 +1787,7 @@
           <a:p>
             <a:fld id="{FE8BC13A-84C2-4F23-B046-9F1FD285F1D3}" type="datetimeFigureOut">
               <a:rPr lang="en-US" smtClean="0"/>
-              <a:t>6/22/2017</a:t>
+              <a:t>5/10/2023</a:t>
             </a:fld>
             <a:endParaRPr lang="en-US"/>
           </a:p>
@@ -1895,7 +1895,7 @@
           </a:lstStyle>
           <a:p>
             <a:r>
-              <a:rPr lang="en-US" smtClean="0"/>
+              <a:rPr lang="en-US"/>
               <a:t>Click to edit Master title style</a:t>
             </a:r>
             <a:endParaRPr lang="en-US" dirty="0"/>
@@ -1952,35 +1952,35 @@
           <a:p>
             <a:pPr lvl="0"/>
             <a:r>
-              <a:rPr lang="en-US" smtClean="0"/>
+              <a:rPr lang="en-US"/>
               <a:t>Edit Master text styles</a:t>
             </a:r>
           </a:p>
           <a:p>
             <a:pPr lvl="1"/>
             <a:r>
-              <a:rPr lang="en-US" smtClean="0"/>
+              <a:rPr lang="en-US"/>
               <a:t>Second level</a:t>
             </a:r>
           </a:p>
           <a:p>
             <a:pPr lvl="2"/>
             <a:r>
-              <a:rPr lang="en-US" smtClean="0"/>
+              <a:rPr lang="en-US"/>
               <a:t>Third level</a:t>
             </a:r>
           </a:p>
           <a:p>
             <a:pPr lvl="3"/>
             <a:r>
-              <a:rPr lang="en-US" smtClean="0"/>
+              <a:rPr lang="en-US"/>
               <a:t>Fourth level</a:t>
             </a:r>
           </a:p>
           <a:p>
             <a:pPr lvl="4"/>
             <a:r>
-              <a:rPr lang="en-US" smtClean="0"/>
+              <a:rPr lang="en-US"/>
               <a:t>Fifth level</a:t>
             </a:r>
             <a:endParaRPr lang="en-US" dirty="0"/>
@@ -2054,7 +2054,7 @@
           <a:p>
             <a:pPr lvl="0"/>
             <a:r>
-              <a:rPr lang="en-US" smtClean="0"/>
+              <a:rPr lang="en-US"/>
               <a:t>Edit Master text styles</a:t>
             </a:r>
           </a:p>
@@ -2077,7 +2077,7 @@
           <a:p>
             <a:fld id="{FE8BC13A-84C2-4F23-B046-9F1FD285F1D3}" type="datetimeFigureOut">
               <a:rPr lang="en-US" smtClean="0"/>
-              <a:t>6/22/2017</a:t>
+              <a:t>5/10/2023</a:t>
             </a:fld>
             <a:endParaRPr lang="en-US"/>
           </a:p>
@@ -2182,7 +2182,7 @@
           </a:lstStyle>
           <a:p>
             <a:r>
-              <a:rPr lang="en-US" smtClean="0"/>
+              <a:rPr lang="en-US"/>
               <a:t>Click to edit Master title style</a:t>
             </a:r>
             <a:endParaRPr lang="en-US" dirty="0"/>
@@ -2250,7 +2250,7 @@
           </a:lstStyle>
           <a:p>
             <a:r>
-              <a:rPr lang="en-US" smtClean="0"/>
+              <a:rPr lang="en-US"/>
               <a:t>Click icon to add picture</a:t>
             </a:r>
             <a:endParaRPr lang="en-US" dirty="0"/>
@@ -2331,7 +2331,7 @@
           <a:p>
             <a:pPr lvl="0"/>
             <a:r>
-              <a:rPr lang="en-US" smtClean="0"/>
+              <a:rPr lang="en-US"/>
               <a:t>Edit Master text styles</a:t>
             </a:r>
           </a:p>
@@ -2354,7 +2354,7 @@
           <a:p>
             <a:fld id="{FE8BC13A-84C2-4F23-B046-9F1FD285F1D3}" type="datetimeFigureOut">
               <a:rPr lang="en-US" smtClean="0"/>
-              <a:t>6/22/2017</a:t>
+              <a:t>5/10/2023</a:t>
             </a:fld>
             <a:endParaRPr lang="en-US"/>
           </a:p>
@@ -2501,10 +2501,9 @@
           <a:lstStyle/>
           <a:p>
             <a:r>
-              <a:rPr lang="en-US" dirty="0" smtClean="0"/>
+              <a:rPr lang="en-US" dirty="0"/>
               <a:t>Click to edit Master title style</a:t>
             </a:r>
-            <a:endParaRPr lang="en-US" dirty="0"/>
           </a:p>
         </p:txBody>
       </p:sp>
@@ -2535,35 +2534,35 @@
           <a:p>
             <a:pPr lvl="0"/>
             <a:r>
-              <a:rPr lang="en-US" smtClean="0"/>
+              <a:rPr lang="en-US"/>
               <a:t>Edit Master text styles</a:t>
             </a:r>
           </a:p>
           <a:p>
             <a:pPr lvl="1"/>
             <a:r>
-              <a:rPr lang="en-US" smtClean="0"/>
+              <a:rPr lang="en-US"/>
               <a:t>Second level</a:t>
             </a:r>
           </a:p>
           <a:p>
             <a:pPr lvl="2"/>
             <a:r>
-              <a:rPr lang="en-US" smtClean="0"/>
+              <a:rPr lang="en-US"/>
               <a:t>Third level</a:t>
             </a:r>
           </a:p>
           <a:p>
             <a:pPr lvl="3"/>
             <a:r>
-              <a:rPr lang="en-US" smtClean="0"/>
+              <a:rPr lang="en-US"/>
               <a:t>Fourth level</a:t>
             </a:r>
           </a:p>
           <a:p>
             <a:pPr lvl="4"/>
             <a:r>
-              <a:rPr lang="en-US" smtClean="0"/>
+              <a:rPr lang="en-US"/>
               <a:t>Fifth level</a:t>
             </a:r>
             <a:endParaRPr lang="en-US" dirty="0"/>
@@ -2607,7 +2606,7 @@
           <a:p>
             <a:fld id="{FE8BC13A-84C2-4F23-B046-9F1FD285F1D3}" type="datetimeFigureOut">
               <a:rPr lang="en-US" smtClean="0"/>
-              <a:t>6/22/2017</a:t>
+              <a:t>5/10/2023</a:t>
             </a:fld>
             <a:endParaRPr lang="en-US"/>
           </a:p>
@@ -3164,10 +3163,9 @@
           <a:lstStyle/>
           <a:p>
             <a:r>
-              <a:rPr lang="en-US" dirty="0" smtClean="0"/>
+              <a:rPr lang="en-US" dirty="0"/>
               <a:t>Evolution of CQRS</a:t>
             </a:r>
-            <a:endParaRPr lang="en-US" dirty="0"/>
           </a:p>
         </p:txBody>
       </p:sp>
@@ -3189,7 +3187,7 @@
           <a:lstStyle/>
           <a:p>
             <a:r>
-              <a:rPr lang="en-US" dirty="0" smtClean="0"/>
+              <a:rPr lang="en-US" dirty="0"/>
               <a:t>Presented by Mark Ewer </a:t>
             </a:r>
           </a:p>
@@ -3246,13 +3244,6 @@
   <p:clrMapOvr>
     <a:masterClrMapping/>
   </p:clrMapOvr>
-  <p:timing>
-    <p:tnLst>
-      <p:par>
-        <p:cTn id="1" dur="indefinite" restart="never" nodeType="tmRoot"/>
-      </p:par>
-    </p:tnLst>
-  </p:timing>
 </p:sld>
 </file>
 
@@ -3289,18 +3280,17 @@
           <a:lstStyle/>
           <a:p>
             <a:r>
-              <a:rPr lang="en-US" dirty="0" smtClean="0"/>
+              <a:rPr lang="en-US" dirty="0"/>
               <a:t>Thanks to all the new </a:t>
             </a:r>
             <a:r>
-              <a:rPr lang="en-US" dirty="0" err="1" smtClean="0"/>
+              <a:rPr lang="en-US" dirty="0" err="1"/>
               <a:t>Jax</a:t>
             </a:r>
             <a:r>
-              <a:rPr lang="en-US" dirty="0" smtClean="0"/>
+              <a:rPr lang="en-US" dirty="0"/>
               <a:t> Architects!</a:t>
             </a:r>
-            <a:endParaRPr lang="en-US" dirty="0"/>
           </a:p>
         </p:txBody>
       </p:sp>
@@ -3320,108 +3310,83 @@
           <a:lstStyle/>
           <a:p>
             <a:r>
-              <a:rPr lang="en-US" smtClean="0"/>
+              <a:rPr lang="en-US" dirty="0"/>
               <a:t>Sample code and slides available online via my GitHub repository:</a:t>
             </a:r>
           </a:p>
           <a:p>
             <a:r>
-              <a:rPr lang="en-US" sz="1800" smtClean="0">
+              <a:rPr lang="en-US" sz="1800" dirty="0">
                 <a:hlinkClick r:id="rId2"/>
               </a:rPr>
               <a:t>https://github.com/MarkEwer/JaxDugSamples</a:t>
             </a:r>
             <a:r>
-              <a:rPr lang="en-US" sz="1800" smtClean="0"/>
+              <a:rPr lang="en-US" sz="1800" dirty="0"/>
               <a:t> </a:t>
             </a:r>
           </a:p>
           <a:p>
             <a:pPr algn="ctr"/>
             <a:r>
-              <a:rPr lang="en-US" smtClean="0"/>
+              <a:rPr lang="en-US" dirty="0"/>
               <a:t>______________________________</a:t>
             </a:r>
           </a:p>
           <a:p>
-            <a:endParaRPr lang="en-US" smtClean="0"/>
-          </a:p>
-          <a:p>
-            <a:r>
-              <a:rPr lang="en-US" sz="1300" smtClean="0"/>
-              <a:t>Work:  </a:t>
-            </a:r>
-            <a:r>
-              <a:rPr lang="en-US" sz="1300" smtClean="0">
+            <a:endParaRPr lang="en-US" dirty="0"/>
+          </a:p>
+          <a:p>
+            <a:r>
+              <a:rPr lang="en-US" sz="1300" dirty="0"/>
+              <a:t>Email: </a:t>
+            </a:r>
+            <a:r>
+              <a:rPr lang="en-US" sz="1300" dirty="0">
                 <a:hlinkClick r:id="rId3"/>
               </a:rPr>
-              <a:t>Mewer@DiscoverTec.com</a:t>
-            </a:r>
-            <a:r>
-              <a:rPr lang="en-US" sz="1300" smtClean="0"/>
-              <a:t/>
+              <a:t>Mark@3w3r.com</a:t>
             </a:r>
             <a:br>
-              <a:rPr lang="en-US" sz="1300" smtClean="0"/>
+              <a:rPr lang="en-US" sz="1300" dirty="0"/>
             </a:br>
             <a:r>
-              <a:rPr lang="en-US" sz="1300" smtClean="0"/>
-              <a:t>Personal: </a:t>
-            </a:r>
-            <a:r>
-              <a:rPr lang="en-US" sz="1300" smtClean="0">
+              <a:rPr lang="en-US" sz="1300" dirty="0"/>
+              <a:t>Web: </a:t>
+            </a:r>
+            <a:r>
+              <a:rPr lang="en-US" sz="1300" dirty="0">
                 <a:hlinkClick r:id="rId4"/>
               </a:rPr>
-              <a:t>Mark@3w3r.com</a:t>
-            </a:r>
-            <a:r>
-              <a:rPr lang="en-US" sz="1300" smtClean="0"/>
-              <a:t/>
+              <a:t>http://www.markewer.com</a:t>
             </a:r>
             <a:br>
-              <a:rPr lang="en-US" sz="1300" smtClean="0"/>
+              <a:rPr lang="en-US" sz="1300" dirty="0"/>
             </a:br>
             <a:r>
-              <a:rPr lang="en-US" sz="1300" smtClean="0"/>
-              <a:t>Web: </a:t>
-            </a:r>
-            <a:r>
-              <a:rPr lang="en-US" sz="1300" smtClean="0">
+              <a:rPr lang="en-US" sz="1300" dirty="0"/>
+              <a:t>LinkedIn: </a:t>
+            </a:r>
+            <a:r>
+              <a:rPr lang="en-US" sz="1300" dirty="0">
                 <a:hlinkClick r:id="rId5"/>
               </a:rPr>
-              <a:t>http://www.markewer.com</a:t>
-            </a:r>
-            <a:r>
-              <a:rPr lang="en-US" sz="1300" smtClean="0"/>
-              <a:t/>
+              <a:t>http://www.linkein.com/in/markewer</a:t>
+            </a:r>
+            <a:r>
+              <a:rPr lang="en-US" sz="1300" dirty="0"/>
+              <a:t> </a:t>
             </a:r>
             <a:br>
-              <a:rPr lang="en-US" sz="1300" smtClean="0"/>
+              <a:rPr lang="en-US" sz="1300" dirty="0"/>
             </a:br>
             <a:r>
-              <a:rPr lang="en-US" sz="1300" smtClean="0"/>
-              <a:t>LinkedIn: </a:t>
-            </a:r>
-            <a:r>
-              <a:rPr lang="en-US" sz="1300" smtClean="0">
-                <a:hlinkClick r:id="rId6"/>
-              </a:rPr>
-              <a:t>http://www.linkein.com/in/markewer</a:t>
-            </a:r>
-            <a:r>
-              <a:rPr lang="en-US" sz="1300" smtClean="0"/>
-              <a:t> </a:t>
-            </a:r>
-            <a:br>
-              <a:rPr lang="en-US" sz="1300" smtClean="0"/>
-            </a:br>
-            <a:r>
-              <a:rPr lang="en-US" sz="1300" smtClean="0"/>
+              <a:rPr lang="en-US" sz="1300" dirty="0"/>
               <a:t>Phone: (904) 238-7347</a:t>
             </a:r>
           </a:p>
           <a:p>
-            <a:endParaRPr lang="en-US"/>
+            <a:endParaRPr lang="en-US" dirty="0"/>
           </a:p>
         </p:txBody>
       </p:sp>
@@ -3454,13 +3419,6 @@
   <p:clrMapOvr>
     <a:masterClrMapping/>
   </p:clrMapOvr>
-  <p:timing>
-    <p:tnLst>
-      <p:par>
-        <p:cTn id="1" dur="indefinite" restart="never" nodeType="tmRoot"/>
-      </p:par>
-    </p:tnLst>
-  </p:timing>
 </p:sld>
 </file>
 
@@ -3497,10 +3455,9 @@
           <a:lstStyle/>
           <a:p>
             <a:r>
-              <a:rPr lang="en-US" dirty="0" smtClean="0"/>
+              <a:rPr lang="en-US" dirty="0"/>
               <a:t>Agenda</a:t>
             </a:r>
-            <a:endParaRPr lang="en-US" dirty="0"/>
           </a:p>
         </p:txBody>
       </p:sp>
@@ -3522,48 +3479,48 @@
           <a:lstStyle/>
           <a:p>
             <a:r>
-              <a:rPr lang="en-US" dirty="0" smtClean="0"/>
+              <a:rPr lang="en-US" dirty="0"/>
               <a:t>What is an CQRS+ES?</a:t>
             </a:r>
           </a:p>
           <a:p>
             <a:pPr lvl="1"/>
             <a:r>
-              <a:rPr lang="en-US" dirty="0" smtClean="0"/>
+              <a:rPr lang="en-US" dirty="0"/>
               <a:t>Typical Web Application Architecture</a:t>
             </a:r>
           </a:p>
           <a:p>
             <a:pPr lvl="1"/>
             <a:r>
-              <a:rPr lang="en-US" dirty="0" smtClean="0"/>
+              <a:rPr lang="en-US" dirty="0"/>
               <a:t>Make It Faster With Caching</a:t>
             </a:r>
           </a:p>
           <a:p>
             <a:pPr lvl="1"/>
             <a:r>
-              <a:rPr lang="en-US" dirty="0" smtClean="0"/>
+              <a:rPr lang="en-US" dirty="0"/>
               <a:t>Keep It Fast With Persistent Cache</a:t>
             </a:r>
           </a:p>
           <a:p>
             <a:pPr lvl="1"/>
             <a:r>
-              <a:rPr lang="en-US" dirty="0" smtClean="0"/>
+              <a:rPr lang="en-US" dirty="0"/>
               <a:t>Refactor Your Architecture Event Sourcing</a:t>
             </a:r>
           </a:p>
           <a:p>
             <a:pPr lvl="1"/>
             <a:r>
-              <a:rPr lang="en-US" dirty="0" smtClean="0"/>
+              <a:rPr lang="en-US" dirty="0"/>
               <a:t>CQRS!</a:t>
             </a:r>
           </a:p>
           <a:p>
             <a:r>
-              <a:rPr lang="en-US" dirty="0" smtClean="0"/>
+              <a:rPr lang="en-US" dirty="0"/>
               <a:t>Code Demo</a:t>
             </a:r>
           </a:p>
@@ -3608,7 +3565,7 @@
         <p:spPr>
           <a:xfrm>
             <a:off x="7394217" y="5034844"/>
-            <a:ext cx="4499693" cy="1477328"/>
+            <a:ext cx="4499693" cy="1200329"/>
           </a:xfrm>
           <a:prstGeom prst="rect">
             <a:avLst/>
@@ -3623,61 +3580,48 @@
           <a:p>
             <a:r>
               <a:rPr lang="en-US" dirty="0"/>
-              <a:t>Work:  </a:t>
+              <a:t>Email: </a:t>
             </a:r>
             <a:r>
               <a:rPr lang="en-US" dirty="0">
                 <a:hlinkClick r:id="rId3"/>
               </a:rPr>
-              <a:t>Mewer@DiscoverTec.com</a:t>
+              <a:t>Mark@3w3r.com</a:t>
             </a:r>
             <a:endParaRPr lang="en-US" dirty="0"/>
           </a:p>
           <a:p>
             <a:r>
               <a:rPr lang="en-US" dirty="0"/>
-              <a:t>Personal: </a:t>
+              <a:t>Web: </a:t>
             </a:r>
             <a:r>
               <a:rPr lang="en-US" dirty="0">
                 <a:hlinkClick r:id="rId4"/>
               </a:rPr>
-              <a:t>Mark@3w3r.com</a:t>
+              <a:t>http://www.markewer.com</a:t>
             </a:r>
             <a:endParaRPr lang="en-US" dirty="0"/>
           </a:p>
           <a:p>
             <a:r>
-              <a:rPr lang="en-US" dirty="0" smtClean="0"/>
-              <a:t>Web: </a:t>
-            </a:r>
-            <a:r>
-              <a:rPr lang="en-US" dirty="0" smtClean="0">
+              <a:rPr lang="en-US" dirty="0"/>
+              <a:t>LinkedIn: </a:t>
+            </a:r>
+            <a:r>
+              <a:rPr lang="en-US" dirty="0">
                 <a:hlinkClick r:id="rId5"/>
               </a:rPr>
-              <a:t>http://www.markewer.com</a:t>
-            </a:r>
-            <a:endParaRPr lang="en-US" dirty="0" smtClean="0"/>
-          </a:p>
-          <a:p>
-            <a:r>
-              <a:rPr lang="en-US" dirty="0" smtClean="0"/>
-              <a:t>LinkedIn: </a:t>
-            </a:r>
-            <a:r>
-              <a:rPr lang="en-US" dirty="0" smtClean="0">
-                <a:hlinkClick r:id="rId6"/>
-              </a:rPr>
               <a:t>http://www.linkein.com/in/markewer</a:t>
             </a:r>
             <a:r>
-              <a:rPr lang="en-US" dirty="0" smtClean="0"/>
+              <a:rPr lang="en-US" dirty="0"/>
               <a:t> </a:t>
             </a:r>
           </a:p>
           <a:p>
             <a:r>
-              <a:rPr lang="en-US" dirty="0" smtClean="0"/>
+              <a:rPr lang="en-US" dirty="0"/>
               <a:t>Phone: (904) 238-7347</a:t>
             </a:r>
           </a:p>
@@ -3693,13 +3637,6 @@
   <p:clrMapOvr>
     <a:masterClrMapping/>
   </p:clrMapOvr>
-  <p:timing>
-    <p:tnLst>
-      <p:par>
-        <p:cTn id="1" dur="indefinite" restart="never" nodeType="tmRoot"/>
-      </p:par>
-    </p:tnLst>
-  </p:timing>
 </p:sld>
 </file>
 
@@ -3736,10 +3673,9 @@
           <a:lstStyle/>
           <a:p>
             <a:r>
-              <a:rPr lang="en-US" dirty="0" smtClean="0"/>
+              <a:rPr lang="en-US" dirty="0"/>
               <a:t>What is an CQRS+ES?</a:t>
             </a:r>
-            <a:endParaRPr lang="en-US" dirty="0"/>
           </a:p>
         </p:txBody>
       </p:sp>
@@ -3762,67 +3698,67 @@
           <a:p>
             <a:pPr lvl="1"/>
             <a:r>
-              <a:rPr lang="en-US" dirty="0" smtClean="0"/>
+              <a:rPr lang="en-US" dirty="0"/>
               <a:t>Command and Query Responsibility Separation (CQRS)</a:t>
             </a:r>
           </a:p>
           <a:p>
             <a:pPr lvl="2"/>
             <a:r>
-              <a:rPr lang="en-US" dirty="0" smtClean="0"/>
+              <a:rPr lang="en-US" dirty="0"/>
               <a:t>The idea that what makes a good and performant database for writing is not the same as what makes a good and performant database for reading.</a:t>
             </a:r>
           </a:p>
           <a:p>
             <a:pPr lvl="2"/>
             <a:r>
-              <a:rPr lang="en-US" dirty="0" smtClean="0"/>
+              <a:rPr lang="en-US" dirty="0"/>
               <a:t>Separating the Write database from the Read database means you can optimize them separately</a:t>
             </a:r>
           </a:p>
           <a:p>
             <a:pPr lvl="2"/>
             <a:r>
-              <a:rPr lang="en-US" dirty="0" smtClean="0"/>
+              <a:rPr lang="en-US" dirty="0"/>
               <a:t>Separating your Write application logic from your Read application logic means they can also be optimized separately</a:t>
             </a:r>
           </a:p>
           <a:p>
             <a:pPr lvl="2"/>
             <a:r>
-              <a:rPr lang="en-US" dirty="0" smtClean="0"/>
+              <a:rPr lang="en-US" dirty="0"/>
               <a:t>Meant to take advantage of “background work” that happens on the server outside of the user’s view</a:t>
             </a:r>
           </a:p>
           <a:p>
             <a:pPr lvl="2"/>
-            <a:endParaRPr lang="en-US" dirty="0" smtClean="0"/>
+            <a:endParaRPr lang="en-US" dirty="0"/>
           </a:p>
           <a:p>
             <a:pPr lvl="1"/>
             <a:r>
-              <a:rPr lang="en-US" dirty="0" smtClean="0"/>
+              <a:rPr lang="en-US" dirty="0"/>
               <a:t>Event Sourcing (ES)</a:t>
             </a:r>
           </a:p>
           <a:p>
             <a:pPr lvl="2"/>
             <a:r>
-              <a:rPr lang="en-US" dirty="0" smtClean="0"/>
+              <a:rPr lang="en-US" dirty="0"/>
               <a:t>Instead of storing the current state of a data record, store all of the “events” that lead to the creation of that record so you can restore them to any point in time.</a:t>
             </a:r>
           </a:p>
           <a:p>
             <a:pPr lvl="2"/>
             <a:r>
-              <a:rPr lang="en-US" dirty="0" smtClean="0"/>
+              <a:rPr lang="en-US" dirty="0"/>
               <a:t>Gives you the ultimate “fall back” data and a 100% transaction log at the same time.</a:t>
             </a:r>
           </a:p>
           <a:p>
             <a:pPr lvl="2"/>
             <a:r>
-              <a:rPr lang="en-US" dirty="0" smtClean="0"/>
+              <a:rPr lang="en-US" dirty="0"/>
               <a:t>Also gives you a clear architectural pattern for mapping business concepts to data operations</a:t>
             </a:r>
           </a:p>
@@ -3833,7 +3769,7 @@
           <a:p>
             <a:pPr lvl="1"/>
             <a:r>
-              <a:rPr lang="en-US" dirty="0" smtClean="0"/>
+              <a:rPr lang="en-US" dirty="0"/>
               <a:t>CQRS and ES are best buddies!</a:t>
             </a:r>
           </a:p>
@@ -3849,13 +3785,6 @@
   <p:clrMapOvr>
     <a:masterClrMapping/>
   </p:clrMapOvr>
-  <p:timing>
-    <p:tnLst>
-      <p:par>
-        <p:cTn id="1" dur="indefinite" restart="never" nodeType="tmRoot"/>
-      </p:par>
-    </p:tnLst>
-  </p:timing>
 </p:sld>
 </file>
 
@@ -3894,10 +3823,9 @@
           <a:lstStyle/>
           <a:p>
             <a:r>
-              <a:rPr lang="en-US" dirty="0" smtClean="0"/>
+              <a:rPr lang="en-US" dirty="0"/>
               <a:t>Typical Web Application Architecture</a:t>
             </a:r>
-            <a:endParaRPr lang="en-US" dirty="0"/>
           </a:p>
         </p:txBody>
       </p:sp>
@@ -3938,10 +3866,9 @@
           <a:p>
             <a:pPr algn="ctr"/>
             <a:r>
-              <a:rPr lang="en-US" dirty="0" smtClean="0"/>
+              <a:rPr lang="en-US" dirty="0"/>
               <a:t>Angular JS Client</a:t>
             </a:r>
-            <a:endParaRPr lang="en-US" dirty="0"/>
           </a:p>
         </p:txBody>
       </p:sp>
@@ -3982,7 +3909,7 @@
           <a:p>
             <a:pPr algn="ctr"/>
             <a:r>
-              <a:rPr lang="en-US" dirty="0" err="1" smtClean="0"/>
+              <a:rPr lang="en-US" dirty="0" err="1"/>
               <a:t>IRepository</a:t>
             </a:r>
             <a:endParaRPr lang="en-US" dirty="0"/>
@@ -4026,18 +3953,17 @@
           <a:p>
             <a:pPr algn="ctr"/>
             <a:r>
-              <a:rPr lang="en-US" dirty="0" smtClean="0"/>
+              <a:rPr lang="en-US" dirty="0"/>
               <a:t>JSON REST Service (</a:t>
             </a:r>
             <a:r>
-              <a:rPr lang="en-US" dirty="0" err="1" smtClean="0"/>
+              <a:rPr lang="en-US" dirty="0" err="1"/>
               <a:t>WebApi</a:t>
             </a:r>
             <a:r>
-              <a:rPr lang="en-US" dirty="0" smtClean="0"/>
+              <a:rPr lang="en-US" dirty="0"/>
               <a:t>)</a:t>
             </a:r>
-            <a:endParaRPr lang="en-US" dirty="0"/>
           </a:p>
         </p:txBody>
       </p:sp>
@@ -4078,10 +4004,9 @@
           <a:p>
             <a:pPr algn="ctr"/>
             <a:r>
-              <a:rPr lang="en-US" dirty="0" smtClean="0"/>
+              <a:rPr lang="en-US" dirty="0"/>
               <a:t>POCO Entity</a:t>
             </a:r>
-            <a:endParaRPr lang="en-US" dirty="0"/>
           </a:p>
         </p:txBody>
       </p:sp>
@@ -4122,7 +4047,7 @@
           <a:p>
             <a:pPr algn="ctr"/>
             <a:r>
-              <a:rPr lang="en-US" dirty="0" err="1" smtClean="0"/>
+              <a:rPr lang="en-US" dirty="0" err="1"/>
               <a:t>DataContext</a:t>
             </a:r>
             <a:endParaRPr lang="en-US" dirty="0"/>
@@ -4166,10 +4091,9 @@
           <a:p>
             <a:pPr algn="ctr"/>
             <a:r>
-              <a:rPr lang="en-US" dirty="0" smtClean="0"/>
+              <a:rPr lang="en-US" dirty="0"/>
               <a:t>MS SQL Server</a:t>
             </a:r>
-            <a:endParaRPr lang="en-US" dirty="0"/>
           </a:p>
         </p:txBody>
       </p:sp>
@@ -4628,16 +4552,15 @@
           <a:lstStyle/>
           <a:p>
             <a:r>
-              <a:rPr lang="en-US" dirty="0" smtClean="0"/>
+              <a:rPr lang="en-US" dirty="0"/>
               <a:t>Write</a:t>
             </a:r>
           </a:p>
           <a:p>
             <a:r>
-              <a:rPr lang="en-US" dirty="0" smtClean="0"/>
+              <a:rPr lang="en-US" dirty="0"/>
               <a:t>Read</a:t>
             </a:r>
-            <a:endParaRPr lang="en-US" dirty="0"/>
           </a:p>
         </p:txBody>
       </p:sp>
@@ -4822,7 +4745,7 @@
           <a:p>
             <a:pPr algn="ctr"/>
             <a:r>
-              <a:rPr lang="en-US" dirty="0" smtClean="0">
+              <a:rPr lang="en-US" dirty="0">
                 <a:solidFill>
                   <a:srgbClr val="FF0000"/>
                 </a:solidFill>
@@ -4830,7 +4753,7 @@
               <a:t>I’m </a:t>
             </a:r>
             <a:r>
-              <a:rPr lang="en-US" dirty="0" err="1" smtClean="0">
+              <a:rPr lang="en-US" dirty="0" err="1">
                 <a:solidFill>
                   <a:srgbClr val="FF0000"/>
                 </a:solidFill>
@@ -4838,18 +4761,13 @@
               <a:t>Burnin</a:t>
             </a:r>
             <a:r>
-              <a:rPr lang="en-US" dirty="0" smtClean="0">
+              <a:rPr lang="en-US" dirty="0">
                 <a:solidFill>
                   <a:srgbClr val="FF0000"/>
                 </a:solidFill>
               </a:rPr>
               <a:t>’ Up Over Here!</a:t>
             </a:r>
-            <a:endParaRPr lang="en-US" dirty="0">
-              <a:solidFill>
-                <a:srgbClr val="FF0000"/>
-              </a:solidFill>
-            </a:endParaRPr>
           </a:p>
         </p:txBody>
       </p:sp>
@@ -5207,10 +5125,9 @@
           <a:lstStyle/>
           <a:p>
             <a:r>
-              <a:rPr lang="en-US" dirty="0" smtClean="0"/>
+              <a:rPr lang="en-US" dirty="0"/>
               <a:t>Make It Faster With Caching</a:t>
             </a:r>
-            <a:endParaRPr lang="en-US" dirty="0"/>
           </a:p>
         </p:txBody>
       </p:sp>
@@ -5251,10 +5168,9 @@
           <a:p>
             <a:pPr algn="ctr"/>
             <a:r>
-              <a:rPr lang="en-US" dirty="0" smtClean="0"/>
+              <a:rPr lang="en-US" dirty="0"/>
               <a:t>Angular JS Client</a:t>
             </a:r>
-            <a:endParaRPr lang="en-US" dirty="0"/>
           </a:p>
         </p:txBody>
       </p:sp>
@@ -5295,7 +5211,7 @@
           <a:p>
             <a:pPr algn="ctr"/>
             <a:r>
-              <a:rPr lang="en-US" dirty="0" err="1" smtClean="0"/>
+              <a:rPr lang="en-US" dirty="0" err="1"/>
               <a:t>IRepository</a:t>
             </a:r>
             <a:endParaRPr lang="en-US" dirty="0"/>
@@ -5339,18 +5255,17 @@
           <a:p>
             <a:pPr algn="ctr"/>
             <a:r>
-              <a:rPr lang="en-US" dirty="0" smtClean="0"/>
+              <a:rPr lang="en-US" dirty="0"/>
               <a:t>JSON REST Service (</a:t>
             </a:r>
             <a:r>
-              <a:rPr lang="en-US" dirty="0" err="1" smtClean="0"/>
+              <a:rPr lang="en-US" dirty="0" err="1"/>
               <a:t>WebApi</a:t>
             </a:r>
             <a:r>
-              <a:rPr lang="en-US" dirty="0" smtClean="0"/>
+              <a:rPr lang="en-US" dirty="0"/>
               <a:t>)</a:t>
             </a:r>
-            <a:endParaRPr lang="en-US" dirty="0"/>
           </a:p>
         </p:txBody>
       </p:sp>
@@ -5391,10 +5306,9 @@
           <a:p>
             <a:pPr algn="ctr"/>
             <a:r>
-              <a:rPr lang="en-US" dirty="0" smtClean="0"/>
+              <a:rPr lang="en-US" dirty="0"/>
               <a:t>POCO Entity</a:t>
             </a:r>
-            <a:endParaRPr lang="en-US" dirty="0"/>
           </a:p>
         </p:txBody>
       </p:sp>
@@ -5435,7 +5349,7 @@
           <a:p>
             <a:pPr algn="ctr"/>
             <a:r>
-              <a:rPr lang="en-US" dirty="0" err="1" smtClean="0"/>
+              <a:rPr lang="en-US" dirty="0" err="1"/>
               <a:t>DataContext</a:t>
             </a:r>
             <a:endParaRPr lang="en-US" dirty="0"/>
@@ -5479,10 +5393,9 @@
           <a:p>
             <a:pPr algn="ctr"/>
             <a:r>
-              <a:rPr lang="en-US" dirty="0" smtClean="0"/>
+              <a:rPr lang="en-US" dirty="0"/>
               <a:t>MS SQL Server</a:t>
             </a:r>
-            <a:endParaRPr lang="en-US" dirty="0"/>
           </a:p>
         </p:txBody>
       </p:sp>
@@ -5942,16 +5855,15 @@
           <a:lstStyle/>
           <a:p>
             <a:r>
-              <a:rPr lang="en-US" dirty="0" smtClean="0"/>
+              <a:rPr lang="en-US" dirty="0"/>
               <a:t>Write</a:t>
             </a:r>
           </a:p>
           <a:p>
             <a:r>
-              <a:rPr lang="en-US" dirty="0" smtClean="0"/>
+              <a:rPr lang="en-US" dirty="0"/>
               <a:t>Read</a:t>
             </a:r>
-            <a:endParaRPr lang="en-US" dirty="0"/>
           </a:p>
         </p:txBody>
       </p:sp>
@@ -5992,10 +5904,9 @@
           <a:p>
             <a:pPr algn="ctr"/>
             <a:r>
-              <a:rPr lang="en-US" dirty="0" smtClean="0"/>
+              <a:rPr lang="en-US" dirty="0"/>
               <a:t>RAM Cache</a:t>
             </a:r>
-            <a:endParaRPr lang="en-US" dirty="0"/>
           </a:p>
         </p:txBody>
       </p:sp>
@@ -6090,10 +6001,9 @@
             <a:p>
               <a:pPr algn="ctr"/>
               <a:r>
-                <a:rPr lang="en-US" dirty="0" smtClean="0"/>
+                <a:rPr lang="en-US" dirty="0"/>
                 <a:t>?</a:t>
               </a:r>
-              <a:endParaRPr lang="en-US" dirty="0"/>
             </a:p>
           </p:txBody>
         </p:sp>
@@ -6139,10 +6049,9 @@
           <a:p>
             <a:pPr algn="ctr"/>
             <a:r>
-              <a:rPr lang="en-US" dirty="0" smtClean="0"/>
+              <a:rPr lang="en-US" dirty="0"/>
               <a:t>This is faster, but I wish we didn’t have to keep re-loading the cache items.</a:t>
             </a:r>
-            <a:endParaRPr lang="en-US" dirty="0"/>
           </a:p>
         </p:txBody>
       </p:sp>
@@ -6183,17 +6092,16 @@
           <a:p>
             <a:pPr algn="ctr"/>
             <a:r>
-              <a:rPr lang="en-US" dirty="0" smtClean="0"/>
+              <a:rPr lang="en-US" dirty="0"/>
               <a:t>View</a:t>
             </a:r>
           </a:p>
           <a:p>
             <a:pPr algn="ctr"/>
             <a:r>
-              <a:rPr lang="en-US" dirty="0" smtClean="0"/>
+              <a:rPr lang="en-US" dirty="0"/>
               <a:t>Model</a:t>
             </a:r>
-            <a:endParaRPr lang="en-US" dirty="0"/>
           </a:p>
         </p:txBody>
       </p:sp>
@@ -6363,10 +6271,9 @@
           <a:lstStyle/>
           <a:p>
             <a:r>
-              <a:rPr lang="en-US" dirty="0" smtClean="0"/>
+              <a:rPr lang="en-US" dirty="0"/>
               <a:t>Keep It Fast With Persistent Cache</a:t>
             </a:r>
-            <a:endParaRPr lang="en-US" dirty="0"/>
           </a:p>
         </p:txBody>
       </p:sp>
@@ -6407,10 +6314,9 @@
           <a:p>
             <a:pPr algn="ctr"/>
             <a:r>
-              <a:rPr lang="en-US" dirty="0" smtClean="0"/>
+              <a:rPr lang="en-US" dirty="0"/>
               <a:t>Angular JS Client</a:t>
             </a:r>
-            <a:endParaRPr lang="en-US" dirty="0"/>
           </a:p>
         </p:txBody>
       </p:sp>
@@ -6451,7 +6357,7 @@
           <a:p>
             <a:pPr algn="ctr"/>
             <a:r>
-              <a:rPr lang="en-US" dirty="0" err="1" smtClean="0"/>
+              <a:rPr lang="en-US" dirty="0" err="1"/>
               <a:t>IRepository</a:t>
             </a:r>
             <a:endParaRPr lang="en-US" dirty="0"/>
@@ -6495,18 +6401,17 @@
           <a:p>
             <a:pPr algn="ctr"/>
             <a:r>
-              <a:rPr lang="en-US" dirty="0" smtClean="0"/>
+              <a:rPr lang="en-US" dirty="0"/>
               <a:t>JSON REST Service (</a:t>
             </a:r>
             <a:r>
-              <a:rPr lang="en-US" dirty="0" err="1" smtClean="0"/>
+              <a:rPr lang="en-US" dirty="0" err="1"/>
               <a:t>WebApi</a:t>
             </a:r>
             <a:r>
-              <a:rPr lang="en-US" dirty="0" smtClean="0"/>
+              <a:rPr lang="en-US" dirty="0"/>
               <a:t>)</a:t>
             </a:r>
-            <a:endParaRPr lang="en-US" dirty="0"/>
           </a:p>
         </p:txBody>
       </p:sp>
@@ -6547,10 +6452,9 @@
           <a:p>
             <a:pPr algn="ctr"/>
             <a:r>
-              <a:rPr lang="en-US" dirty="0" smtClean="0"/>
+              <a:rPr lang="en-US" dirty="0"/>
               <a:t>POCO Entity</a:t>
             </a:r>
-            <a:endParaRPr lang="en-US" dirty="0"/>
           </a:p>
         </p:txBody>
       </p:sp>
@@ -6591,7 +6495,7 @@
           <a:p>
             <a:pPr algn="ctr"/>
             <a:r>
-              <a:rPr lang="en-US" dirty="0" err="1" smtClean="0"/>
+              <a:rPr lang="en-US" dirty="0" err="1"/>
               <a:t>DataContext</a:t>
             </a:r>
             <a:endParaRPr lang="en-US" dirty="0"/>
@@ -6635,10 +6539,9 @@
           <a:p>
             <a:pPr algn="ctr"/>
             <a:r>
-              <a:rPr lang="en-US" dirty="0" smtClean="0"/>
+              <a:rPr lang="en-US" dirty="0"/>
               <a:t>MS SQL Server</a:t>
             </a:r>
-            <a:endParaRPr lang="en-US" dirty="0"/>
           </a:p>
         </p:txBody>
       </p:sp>
@@ -7032,14 +6935,13 @@
           <a:p>
             <a:pPr algn="ctr"/>
             <a:r>
-              <a:rPr lang="en-US" dirty="0" err="1" smtClean="0"/>
+              <a:rPr lang="en-US" dirty="0" err="1"/>
               <a:t>ViewModel</a:t>
             </a:r>
             <a:r>
-              <a:rPr lang="en-US" dirty="0" smtClean="0"/>
+              <a:rPr lang="en-US" dirty="0"/>
               <a:t> Manager</a:t>
             </a:r>
-            <a:endParaRPr lang="en-US" dirty="0"/>
           </a:p>
         </p:txBody>
       </p:sp>
@@ -7382,25 +7284,24 @@
             <a:p>
               <a:pPr algn="ctr"/>
               <a:r>
-                <a:rPr lang="en-US" dirty="0" smtClean="0"/>
+                <a:rPr lang="en-US" dirty="0"/>
                 <a:t>Persistent</a:t>
               </a:r>
             </a:p>
             <a:p>
               <a:pPr algn="ctr"/>
               <a:r>
-                <a:rPr lang="en-US" dirty="0" err="1" smtClean="0"/>
+                <a:rPr lang="en-US" dirty="0" err="1"/>
                 <a:t>ViewModel</a:t>
               </a:r>
-              <a:endParaRPr lang="en-US" dirty="0" smtClean="0"/>
+              <a:endParaRPr lang="en-US" dirty="0"/>
             </a:p>
             <a:p>
               <a:pPr algn="ctr"/>
               <a:r>
-                <a:rPr lang="en-US" dirty="0" smtClean="0"/>
+                <a:rPr lang="en-US" dirty="0"/>
                 <a:t>Cache</a:t>
               </a:r>
-              <a:endParaRPr lang="en-US" dirty="0"/>
             </a:p>
           </p:txBody>
         </p:sp>
@@ -7442,17 +7343,16 @@
           <a:p>
             <a:pPr algn="ctr"/>
             <a:r>
-              <a:rPr lang="en-US" dirty="0" smtClean="0"/>
+              <a:rPr lang="en-US" dirty="0"/>
               <a:t>View</a:t>
             </a:r>
           </a:p>
           <a:p>
             <a:pPr algn="ctr"/>
             <a:r>
-              <a:rPr lang="en-US" dirty="0" smtClean="0"/>
+              <a:rPr lang="en-US" dirty="0"/>
               <a:t>Model</a:t>
             </a:r>
-            <a:endParaRPr lang="en-US" dirty="0"/>
           </a:p>
         </p:txBody>
       </p:sp>
@@ -7666,10 +7566,9 @@
           <a:lstStyle/>
           <a:p>
             <a:r>
-              <a:rPr lang="en-US" dirty="0" smtClean="0"/>
+              <a:rPr lang="en-US" dirty="0"/>
               <a:t>Refactor Your Architecture Event Sourcing</a:t>
             </a:r>
-            <a:endParaRPr lang="en-US" dirty="0"/>
           </a:p>
         </p:txBody>
       </p:sp>
@@ -7710,10 +7609,9 @@
           <a:p>
             <a:pPr algn="ctr"/>
             <a:r>
-              <a:rPr lang="en-US" dirty="0" smtClean="0"/>
+              <a:rPr lang="en-US" dirty="0"/>
               <a:t>Angular JS Client</a:t>
             </a:r>
-            <a:endParaRPr lang="en-US" dirty="0"/>
           </a:p>
         </p:txBody>
       </p:sp>
@@ -7754,7 +7652,7 @@
           <a:p>
             <a:pPr algn="ctr"/>
             <a:r>
-              <a:rPr lang="en-US" dirty="0" err="1" smtClean="0"/>
+              <a:rPr lang="en-US" dirty="0" err="1"/>
               <a:t>IRepository</a:t>
             </a:r>
             <a:endParaRPr lang="en-US" dirty="0"/>
@@ -7798,18 +7696,17 @@
           <a:p>
             <a:pPr algn="ctr"/>
             <a:r>
-              <a:rPr lang="en-US" dirty="0" smtClean="0"/>
+              <a:rPr lang="en-US" dirty="0"/>
               <a:t>JSON REST Service (</a:t>
             </a:r>
             <a:r>
-              <a:rPr lang="en-US" dirty="0" err="1" smtClean="0"/>
+              <a:rPr lang="en-US" dirty="0" err="1"/>
               <a:t>WebApi</a:t>
             </a:r>
             <a:r>
-              <a:rPr lang="en-US" dirty="0" smtClean="0"/>
+              <a:rPr lang="en-US" dirty="0"/>
               <a:t>)</a:t>
             </a:r>
-            <a:endParaRPr lang="en-US" dirty="0"/>
           </a:p>
         </p:txBody>
       </p:sp>
@@ -7850,10 +7747,9 @@
           <a:p>
             <a:pPr algn="ctr"/>
             <a:r>
-              <a:rPr lang="en-US" dirty="0" smtClean="0"/>
+              <a:rPr lang="en-US" dirty="0"/>
               <a:t>MS SQL Server</a:t>
             </a:r>
-            <a:endParaRPr lang="en-US" dirty="0"/>
           </a:p>
         </p:txBody>
       </p:sp>
@@ -8256,25 +8152,24 @@
             <a:p>
               <a:pPr algn="ctr"/>
               <a:r>
-                <a:rPr lang="en-US" dirty="0" smtClean="0"/>
+                <a:rPr lang="en-US" dirty="0"/>
                 <a:t>Persistent</a:t>
               </a:r>
             </a:p>
             <a:p>
               <a:pPr algn="ctr"/>
               <a:r>
-                <a:rPr lang="en-US" dirty="0" err="1" smtClean="0"/>
+                <a:rPr lang="en-US" dirty="0" err="1"/>
                 <a:t>ViewModel</a:t>
               </a:r>
-              <a:endParaRPr lang="en-US" dirty="0" smtClean="0"/>
+              <a:endParaRPr lang="en-US" dirty="0"/>
             </a:p>
             <a:p>
               <a:pPr algn="ctr"/>
               <a:r>
-                <a:rPr lang="en-US" dirty="0" smtClean="0"/>
+                <a:rPr lang="en-US" dirty="0"/>
                 <a:t>Cache</a:t>
               </a:r>
-              <a:endParaRPr lang="en-US" dirty="0"/>
             </a:p>
           </p:txBody>
         </p:sp>
@@ -8316,10 +8211,9 @@
           <a:p>
             <a:pPr algn="ctr"/>
             <a:r>
-              <a:rPr lang="en-US" dirty="0" smtClean="0"/>
+              <a:rPr lang="en-US" dirty="0"/>
               <a:t>Event Stream</a:t>
             </a:r>
-            <a:endParaRPr lang="en-US" dirty="0"/>
           </a:p>
         </p:txBody>
       </p:sp>
@@ -8360,17 +8254,16 @@
           <a:p>
             <a:pPr algn="ctr"/>
             <a:r>
-              <a:rPr lang="en-US" dirty="0" smtClean="0"/>
+              <a:rPr lang="en-US" dirty="0"/>
               <a:t>MS SQL Server</a:t>
             </a:r>
           </a:p>
           <a:p>
             <a:pPr algn="ctr"/>
             <a:r>
-              <a:rPr lang="en-US" dirty="0" smtClean="0"/>
+              <a:rPr lang="en-US" dirty="0"/>
               <a:t>(Events)</a:t>
             </a:r>
-            <a:endParaRPr lang="en-US" dirty="0"/>
           </a:p>
         </p:txBody>
       </p:sp>
@@ -8451,14 +8344,13 @@
           <a:p>
             <a:pPr algn="ctr"/>
             <a:r>
-              <a:rPr lang="en-US" sz="1400" dirty="0" err="1" smtClean="0"/>
+              <a:rPr lang="en-US" sz="1400" dirty="0" err="1"/>
               <a:t>ViewModel</a:t>
             </a:r>
             <a:r>
-              <a:rPr lang="en-US" sz="1400" dirty="0" smtClean="0"/>
+              <a:rPr lang="en-US" sz="1400" dirty="0"/>
               <a:t> Projection</a:t>
             </a:r>
-            <a:endParaRPr lang="en-US" sz="1400" dirty="0"/>
           </a:p>
         </p:txBody>
       </p:sp>
@@ -8499,10 +8391,9 @@
           <a:p>
             <a:pPr algn="ctr"/>
             <a:r>
-              <a:rPr lang="en-US" sz="1400" dirty="0" smtClean="0"/>
+              <a:rPr lang="en-US" sz="1400" dirty="0"/>
               <a:t>DB Projection</a:t>
             </a:r>
-            <a:endParaRPr lang="en-US" sz="1400" dirty="0"/>
           </a:p>
         </p:txBody>
       </p:sp>
@@ -8735,10 +8626,9 @@
           <a:p>
             <a:pPr algn="ctr"/>
             <a:r>
-              <a:rPr lang="en-US" dirty="0" smtClean="0"/>
+              <a:rPr lang="en-US" dirty="0"/>
               <a:t>POCO Entity</a:t>
             </a:r>
-            <a:endParaRPr lang="en-US" dirty="0"/>
           </a:p>
         </p:txBody>
       </p:sp>
@@ -8779,7 +8669,7 @@
           <a:p>
             <a:pPr algn="ctr"/>
             <a:r>
-              <a:rPr lang="en-US" dirty="0" err="1" smtClean="0"/>
+              <a:rPr lang="en-US" dirty="0" err="1"/>
               <a:t>DataContext</a:t>
             </a:r>
             <a:endParaRPr lang="en-US" dirty="0"/>
@@ -8856,14 +8746,13 @@
           <a:p>
             <a:pPr algn="ctr"/>
             <a:r>
-              <a:rPr lang="en-US" dirty="0" err="1" smtClean="0"/>
+              <a:rPr lang="en-US" dirty="0" err="1"/>
               <a:t>ViewModel</a:t>
             </a:r>
             <a:r>
-              <a:rPr lang="en-US" dirty="0" smtClean="0"/>
+              <a:rPr lang="en-US" dirty="0"/>
               <a:t> Manager</a:t>
             </a:r>
-            <a:endParaRPr lang="en-US" dirty="0"/>
           </a:p>
         </p:txBody>
       </p:sp>
@@ -8904,17 +8793,16 @@
           <a:p>
             <a:pPr algn="ctr"/>
             <a:r>
-              <a:rPr lang="en-US" dirty="0" smtClean="0"/>
+              <a:rPr lang="en-US" dirty="0"/>
               <a:t>View</a:t>
             </a:r>
           </a:p>
           <a:p>
             <a:pPr algn="ctr"/>
             <a:r>
-              <a:rPr lang="en-US" dirty="0" smtClean="0"/>
+              <a:rPr lang="en-US" dirty="0"/>
               <a:t>Model</a:t>
             </a:r>
-            <a:endParaRPr lang="en-US" dirty="0"/>
           </a:p>
         </p:txBody>
       </p:sp>
@@ -8961,13 +8849,6 @@
   <p:clrMapOvr>
     <a:masterClrMapping/>
   </p:clrMapOvr>
-  <p:timing>
-    <p:tnLst>
-      <p:par>
-        <p:cTn id="1" dur="indefinite" restart="never" nodeType="tmRoot"/>
-      </p:par>
-    </p:tnLst>
-  </p:timing>
 </p:sld>
 </file>
 
@@ -9004,10 +8885,9 @@
           <a:lstStyle/>
           <a:p>
             <a:r>
-              <a:rPr lang="en-US" dirty="0" smtClean="0"/>
+              <a:rPr lang="en-US" dirty="0"/>
               <a:t>CQRS!</a:t>
             </a:r>
-            <a:endParaRPr lang="en-US" dirty="0"/>
           </a:p>
         </p:txBody>
       </p:sp>
@@ -9048,10 +8928,9 @@
           <a:p>
             <a:pPr algn="ctr"/>
             <a:r>
-              <a:rPr lang="en-US" dirty="0" smtClean="0"/>
+              <a:rPr lang="en-US" dirty="0"/>
               <a:t>Angular JS Client</a:t>
             </a:r>
-            <a:endParaRPr lang="en-US" dirty="0"/>
           </a:p>
         </p:txBody>
       </p:sp>
@@ -9092,7 +8971,7 @@
           <a:p>
             <a:pPr algn="ctr"/>
             <a:r>
-              <a:rPr lang="en-US" dirty="0" err="1" smtClean="0"/>
+              <a:rPr lang="en-US" dirty="0" err="1"/>
               <a:t>IRepository</a:t>
             </a:r>
             <a:endParaRPr lang="en-US" dirty="0"/>
@@ -9136,18 +9015,17 @@
           <a:p>
             <a:pPr algn="ctr"/>
             <a:r>
-              <a:rPr lang="en-US" dirty="0" smtClean="0"/>
+              <a:rPr lang="en-US" dirty="0"/>
               <a:t>JSON REST Service (</a:t>
             </a:r>
             <a:r>
-              <a:rPr lang="en-US" dirty="0" err="1" smtClean="0"/>
+              <a:rPr lang="en-US" dirty="0" err="1"/>
               <a:t>WebApi</a:t>
             </a:r>
             <a:r>
-              <a:rPr lang="en-US" dirty="0" smtClean="0"/>
+              <a:rPr lang="en-US" dirty="0"/>
               <a:t>)</a:t>
             </a:r>
-            <a:endParaRPr lang="en-US" dirty="0"/>
           </a:p>
         </p:txBody>
       </p:sp>
@@ -9188,10 +9066,9 @@
           <a:p>
             <a:pPr algn="ctr"/>
             <a:r>
-              <a:rPr lang="en-US" dirty="0" smtClean="0"/>
+              <a:rPr lang="en-US" dirty="0"/>
               <a:t>MS SQL Server</a:t>
             </a:r>
-            <a:endParaRPr lang="en-US" dirty="0"/>
           </a:p>
         </p:txBody>
       </p:sp>
@@ -9594,25 +9471,24 @@
             <a:p>
               <a:pPr algn="ctr"/>
               <a:r>
-                <a:rPr lang="en-US" dirty="0" smtClean="0"/>
+                <a:rPr lang="en-US" dirty="0"/>
                 <a:t>Persistent</a:t>
               </a:r>
             </a:p>
             <a:p>
               <a:pPr algn="ctr"/>
               <a:r>
-                <a:rPr lang="en-US" dirty="0" err="1" smtClean="0"/>
+                <a:rPr lang="en-US" dirty="0" err="1"/>
                 <a:t>ViewModel</a:t>
               </a:r>
-              <a:endParaRPr lang="en-US" dirty="0" smtClean="0"/>
+              <a:endParaRPr lang="en-US" dirty="0"/>
             </a:p>
             <a:p>
               <a:pPr algn="ctr"/>
               <a:r>
-                <a:rPr lang="en-US" dirty="0" smtClean="0"/>
+                <a:rPr lang="en-US" dirty="0"/>
                 <a:t>Cache</a:t>
               </a:r>
-              <a:endParaRPr lang="en-US" dirty="0"/>
             </a:p>
           </p:txBody>
         </p:sp>
@@ -9654,10 +9530,9 @@
           <a:p>
             <a:pPr algn="ctr"/>
             <a:r>
-              <a:rPr lang="en-US" dirty="0" smtClean="0"/>
+              <a:rPr lang="en-US" dirty="0"/>
               <a:t>Event Stream</a:t>
             </a:r>
-            <a:endParaRPr lang="en-US" dirty="0"/>
           </a:p>
         </p:txBody>
       </p:sp>
@@ -9698,17 +9573,16 @@
           <a:p>
             <a:pPr algn="ctr"/>
             <a:r>
-              <a:rPr lang="en-US" dirty="0" smtClean="0"/>
+              <a:rPr lang="en-US" dirty="0"/>
               <a:t>MS SQL Server</a:t>
             </a:r>
           </a:p>
           <a:p>
             <a:pPr algn="ctr"/>
             <a:r>
-              <a:rPr lang="en-US" dirty="0" smtClean="0"/>
+              <a:rPr lang="en-US" dirty="0"/>
               <a:t>(Events)</a:t>
             </a:r>
-            <a:endParaRPr lang="en-US" dirty="0"/>
           </a:p>
         </p:txBody>
       </p:sp>
@@ -9789,14 +9663,13 @@
           <a:p>
             <a:pPr algn="ctr"/>
             <a:r>
-              <a:rPr lang="en-US" sz="1400" dirty="0" err="1" smtClean="0"/>
+              <a:rPr lang="en-US" sz="1400" dirty="0" err="1"/>
               <a:t>ViewModel</a:t>
             </a:r>
             <a:r>
-              <a:rPr lang="en-US" sz="1400" dirty="0" smtClean="0"/>
+              <a:rPr lang="en-US" sz="1400" dirty="0"/>
               <a:t> Projection</a:t>
             </a:r>
-            <a:endParaRPr lang="en-US" sz="1400" dirty="0"/>
           </a:p>
         </p:txBody>
       </p:sp>
@@ -9837,10 +9710,9 @@
           <a:p>
             <a:pPr algn="ctr"/>
             <a:r>
-              <a:rPr lang="en-US" sz="1400" dirty="0" smtClean="0"/>
+              <a:rPr lang="en-US" sz="1400" dirty="0"/>
               <a:t>DB Projection</a:t>
             </a:r>
-            <a:endParaRPr lang="en-US" sz="1400" dirty="0"/>
           </a:p>
         </p:txBody>
       </p:sp>
@@ -10073,7 +9945,7 @@
           <a:p>
             <a:pPr algn="ctr"/>
             <a:r>
-              <a:rPr lang="en-US" dirty="0" err="1" smtClean="0"/>
+              <a:rPr lang="en-US" dirty="0" err="1"/>
               <a:t>IQueryFacade</a:t>
             </a:r>
             <a:endParaRPr lang="en-US" dirty="0"/>
@@ -10117,10 +9989,9 @@
           <a:p>
             <a:pPr algn="ctr"/>
             <a:r>
-              <a:rPr lang="en-US" dirty="0" smtClean="0"/>
+              <a:rPr lang="en-US" dirty="0"/>
               <a:t>POCO Entity</a:t>
             </a:r>
-            <a:endParaRPr lang="en-US" dirty="0"/>
           </a:p>
         </p:txBody>
       </p:sp>
@@ -10161,7 +10032,7 @@
           <a:p>
             <a:pPr algn="ctr"/>
             <a:r>
-              <a:rPr lang="en-US" dirty="0" err="1" smtClean="0"/>
+              <a:rPr lang="en-US" dirty="0" err="1"/>
               <a:t>DataContext</a:t>
             </a:r>
             <a:endParaRPr lang="en-US" dirty="0"/>
@@ -10238,14 +10109,13 @@
           <a:p>
             <a:pPr algn="ctr"/>
             <a:r>
-              <a:rPr lang="en-US" dirty="0" err="1" smtClean="0"/>
+              <a:rPr lang="en-US" dirty="0" err="1"/>
               <a:t>ViewModel</a:t>
             </a:r>
             <a:r>
-              <a:rPr lang="en-US" dirty="0" smtClean="0"/>
+              <a:rPr lang="en-US" dirty="0"/>
               <a:t> Manager</a:t>
             </a:r>
-            <a:endParaRPr lang="en-US" dirty="0"/>
           </a:p>
         </p:txBody>
       </p:sp>
@@ -10286,7 +10156,7 @@
           <a:p>
             <a:pPr algn="ctr"/>
             <a:r>
-              <a:rPr lang="en-US" dirty="0" err="1" smtClean="0"/>
+              <a:rPr lang="en-US" dirty="0" err="1"/>
               <a:t>ViewModel</a:t>
             </a:r>
             <a:endParaRPr lang="en-US" dirty="0"/>
@@ -10336,13 +10206,6 @@
   <p:clrMapOvr>
     <a:masterClrMapping/>
   </p:clrMapOvr>
-  <p:timing>
-    <p:tnLst>
-      <p:par>
-        <p:cTn id="1" dur="indefinite" restart="never" nodeType="tmRoot"/>
-      </p:par>
-    </p:tnLst>
-  </p:timing>
 </p:sld>
 </file>
 
@@ -10379,10 +10242,9 @@
           <a:lstStyle/>
           <a:p>
             <a:r>
-              <a:rPr lang="en-US" dirty="0" smtClean="0"/>
+              <a:rPr lang="en-US" dirty="0"/>
               <a:t>Code Demo</a:t>
             </a:r>
-            <a:endParaRPr lang="en-US" dirty="0"/>
           </a:p>
         </p:txBody>
       </p:sp>
@@ -10422,13 +10284,6 @@
   <p:clrMapOvr>
     <a:masterClrMapping/>
   </p:clrMapOvr>
-  <p:timing>
-    <p:tnLst>
-      <p:par>
-        <p:cTn id="1" dur="indefinite" restart="never" nodeType="tmRoot"/>
-      </p:par>
-    </p:tnLst>
-  </p:timing>
 </p:sld>
 </file>
 
